--- a/Диплом/Диплом-Презентация.pptx
+++ b/Диплом/Диплом-Презентация.pptx
@@ -208,7 +208,7 @@
           <a:p>
             <a:fld id="{22BDBF61-0D7C-4834-B519-E78878DF438F}" type="datetimeFigureOut">
               <a:rPr lang="ru-RU" smtClean="0"/>
-              <a:t>29.05.2016</a:t>
+              <a:t>09.06.2016</a:t>
             </a:fld>
             <a:endParaRPr lang="ru-RU"/>
           </a:p>
@@ -1062,7 +1062,7 @@
           <a:p>
             <a:fld id="{06B6B7CC-0028-4AD5-8BD4-D61D16BB35BE}" type="datetimeFigureOut">
               <a:rPr lang="ru-RU" smtClean="0"/>
-              <a:t>29.05.2016</a:t>
+              <a:t>09.06.2016</a:t>
             </a:fld>
             <a:endParaRPr lang="ru-RU"/>
           </a:p>
@@ -1358,7 +1358,7 @@
           <a:p>
             <a:fld id="{06B6B7CC-0028-4AD5-8BD4-D61D16BB35BE}" type="datetimeFigureOut">
               <a:rPr lang="ru-RU" smtClean="0"/>
-              <a:t>29.05.2016</a:t>
+              <a:t>09.06.2016</a:t>
             </a:fld>
             <a:endParaRPr lang="ru-RU"/>
           </a:p>
@@ -1606,7 +1606,7 @@
           <a:p>
             <a:fld id="{06B6B7CC-0028-4AD5-8BD4-D61D16BB35BE}" type="datetimeFigureOut">
               <a:rPr lang="ru-RU" smtClean="0"/>
-              <a:t>29.05.2016</a:t>
+              <a:t>09.06.2016</a:t>
             </a:fld>
             <a:endParaRPr lang="ru-RU"/>
           </a:p>
@@ -2146,7 +2146,7 @@
           <a:p>
             <a:fld id="{06B6B7CC-0028-4AD5-8BD4-D61D16BB35BE}" type="datetimeFigureOut">
               <a:rPr lang="ru-RU" smtClean="0"/>
-              <a:t>29.05.2016</a:t>
+              <a:t>09.06.2016</a:t>
             </a:fld>
             <a:endParaRPr lang="ru-RU"/>
           </a:p>
@@ -2394,7 +2394,7 @@
           <a:p>
             <a:fld id="{06B6B7CC-0028-4AD5-8BD4-D61D16BB35BE}" type="datetimeFigureOut">
               <a:rPr lang="ru-RU" smtClean="0"/>
-              <a:t>29.05.2016</a:t>
+              <a:t>09.06.2016</a:t>
             </a:fld>
             <a:endParaRPr lang="ru-RU"/>
           </a:p>
@@ -2926,7 +2926,7 @@
           <a:p>
             <a:fld id="{06B6B7CC-0028-4AD5-8BD4-D61D16BB35BE}" type="datetimeFigureOut">
               <a:rPr lang="ru-RU" smtClean="0"/>
-              <a:t>29.05.2016</a:t>
+              <a:t>09.06.2016</a:t>
             </a:fld>
             <a:endParaRPr lang="ru-RU"/>
           </a:p>
@@ -3223,7 +3223,7 @@
           <a:p>
             <a:fld id="{06B6B7CC-0028-4AD5-8BD4-D61D16BB35BE}" type="datetimeFigureOut">
               <a:rPr lang="ru-RU" smtClean="0"/>
-              <a:t>29.05.2016</a:t>
+              <a:t>09.06.2016</a:t>
             </a:fld>
             <a:endParaRPr lang="ru-RU"/>
           </a:p>
@@ -3397,7 +3397,7 @@
           <a:p>
             <a:fld id="{06B6B7CC-0028-4AD5-8BD4-D61D16BB35BE}" type="datetimeFigureOut">
               <a:rPr lang="ru-RU" smtClean="0"/>
-              <a:t>29.05.2016</a:t>
+              <a:t>09.06.2016</a:t>
             </a:fld>
             <a:endParaRPr lang="ru-RU"/>
           </a:p>
@@ -3577,7 +3577,7 @@
           <a:p>
             <a:fld id="{06B6B7CC-0028-4AD5-8BD4-D61D16BB35BE}" type="datetimeFigureOut">
               <a:rPr lang="ru-RU" smtClean="0"/>
-              <a:t>29.05.2016</a:t>
+              <a:t>09.06.2016</a:t>
             </a:fld>
             <a:endParaRPr lang="ru-RU"/>
           </a:p>
@@ -3747,7 +3747,7 @@
           <a:p>
             <a:fld id="{06B6B7CC-0028-4AD5-8BD4-D61D16BB35BE}" type="datetimeFigureOut">
               <a:rPr lang="ru-RU" smtClean="0"/>
-              <a:t>29.05.2016</a:t>
+              <a:t>09.06.2016</a:t>
             </a:fld>
             <a:endParaRPr lang="ru-RU"/>
           </a:p>
@@ -3998,7 +3998,7 @@
           <a:p>
             <a:fld id="{06B6B7CC-0028-4AD5-8BD4-D61D16BB35BE}" type="datetimeFigureOut">
               <a:rPr lang="ru-RU" smtClean="0"/>
-              <a:t>29.05.2016</a:t>
+              <a:t>09.06.2016</a:t>
             </a:fld>
             <a:endParaRPr lang="ru-RU"/>
           </a:p>
@@ -4295,7 +4295,7 @@
           <a:p>
             <a:fld id="{06B6B7CC-0028-4AD5-8BD4-D61D16BB35BE}" type="datetimeFigureOut">
               <a:rPr lang="ru-RU" smtClean="0"/>
-              <a:t>29.05.2016</a:t>
+              <a:t>09.06.2016</a:t>
             </a:fld>
             <a:endParaRPr lang="ru-RU"/>
           </a:p>
@@ -4737,7 +4737,7 @@
           <a:p>
             <a:fld id="{06B6B7CC-0028-4AD5-8BD4-D61D16BB35BE}" type="datetimeFigureOut">
               <a:rPr lang="ru-RU" smtClean="0"/>
-              <a:t>29.05.2016</a:t>
+              <a:t>09.06.2016</a:t>
             </a:fld>
             <a:endParaRPr lang="ru-RU"/>
           </a:p>
@@ -4855,7 +4855,7 @@
           <a:p>
             <a:fld id="{06B6B7CC-0028-4AD5-8BD4-D61D16BB35BE}" type="datetimeFigureOut">
               <a:rPr lang="ru-RU" smtClean="0"/>
-              <a:t>29.05.2016</a:t>
+              <a:t>09.06.2016</a:t>
             </a:fld>
             <a:endParaRPr lang="ru-RU"/>
           </a:p>
@@ -4950,7 +4950,7 @@
           <a:p>
             <a:fld id="{06B6B7CC-0028-4AD5-8BD4-D61D16BB35BE}" type="datetimeFigureOut">
               <a:rPr lang="ru-RU" smtClean="0"/>
-              <a:t>29.05.2016</a:t>
+              <a:t>09.06.2016</a:t>
             </a:fld>
             <a:endParaRPr lang="ru-RU"/>
           </a:p>
@@ -5233,7 +5233,7 @@
           <a:p>
             <a:fld id="{06B6B7CC-0028-4AD5-8BD4-D61D16BB35BE}" type="datetimeFigureOut">
               <a:rPr lang="ru-RU" smtClean="0"/>
-              <a:t>29.05.2016</a:t>
+              <a:t>09.06.2016</a:t>
             </a:fld>
             <a:endParaRPr lang="ru-RU"/>
           </a:p>
@@ -5524,7 +5524,7 @@
           <a:p>
             <a:fld id="{06B6B7CC-0028-4AD5-8BD4-D61D16BB35BE}" type="datetimeFigureOut">
               <a:rPr lang="ru-RU" smtClean="0"/>
-              <a:t>29.05.2016</a:t>
+              <a:t>09.06.2016</a:t>
             </a:fld>
             <a:endParaRPr lang="ru-RU"/>
           </a:p>
@@ -6054,7 +6054,7 @@
           <a:p>
             <a:fld id="{06B6B7CC-0028-4AD5-8BD4-D61D16BB35BE}" type="datetimeFigureOut">
               <a:rPr lang="ru-RU" smtClean="0"/>
-              <a:t>29.05.2016</a:t>
+              <a:t>09.06.2016</a:t>
             </a:fld>
             <a:endParaRPr lang="ru-RU"/>
           </a:p>
@@ -6642,8 +6642,20 @@
             </a:br>
             <a:r>
               <a:rPr lang="ru-RU" sz="2500" dirty="0"/>
-              <a:t>«Разработка ПО “Мониторинг эффективности” по профессорскому преподавательскому составу»</a:t>
-            </a:r>
+              <a:t>«Разработка программного модуля "Мониторинг</a:t>
+            </a:r>
+            <a:br>
+              <a:rPr lang="ru-RU" sz="2500" dirty="0"/>
+            </a:br>
+            <a:r>
+              <a:rPr lang="ru-RU" sz="2500" dirty="0"/>
+              <a:t>эффективности вуза</a:t>
+            </a:r>
+            <a:r>
+              <a:rPr lang="ru-RU" sz="2500" dirty="0" smtClean="0"/>
+              <a:t>"»</a:t>
+            </a:r>
+            <a:endParaRPr lang="ru-RU" sz="2500" dirty="0"/>
           </a:p>
         </p:txBody>
       </p:sp>
@@ -6753,51 +6765,26 @@
           </a:p>
           <a:p>
             <a:r>
+              <a:rPr lang="ru-RU" dirty="0">
+                <a:latin typeface="Times New Roman" panose="02020603050405020304" pitchFamily="18" charset="0"/>
+                <a:cs typeface="Times New Roman" panose="02020603050405020304" pitchFamily="18" charset="0"/>
+              </a:rPr>
+              <a:t>ассистент </a:t>
+            </a:r>
+            <a:r>
               <a:rPr lang="ru-RU" dirty="0" smtClean="0">
                 <a:latin typeface="Times New Roman" panose="02020603050405020304" pitchFamily="18" charset="0"/>
                 <a:cs typeface="Times New Roman" panose="02020603050405020304" pitchFamily="18" charset="0"/>
               </a:rPr>
-              <a:t>зав. </a:t>
+              <a:t>М</a:t>
             </a:r>
             <a:r>
               <a:rPr lang="ru-RU" dirty="0">
                 <a:latin typeface="Times New Roman" panose="02020603050405020304" pitchFamily="18" charset="0"/>
                 <a:cs typeface="Times New Roman" panose="02020603050405020304" pitchFamily="18" charset="0"/>
               </a:rPr>
-              <a:t>к</a:t>
-            </a:r>
-            <a:r>
-              <a:rPr lang="ru-RU" dirty="0" smtClean="0">
-                <a:latin typeface="Times New Roman" panose="02020603050405020304" pitchFamily="18" charset="0"/>
-                <a:cs typeface="Times New Roman" panose="02020603050405020304" pitchFamily="18" charset="0"/>
-              </a:rPr>
-              <a:t>аф. ИВТ </a:t>
-            </a:r>
-            <a:r>
-              <a:rPr lang="ru-RU" dirty="0" err="1" smtClean="0">
-                <a:latin typeface="Times New Roman" panose="02020603050405020304" pitchFamily="18" charset="0"/>
-                <a:cs typeface="Times New Roman" panose="02020603050405020304" pitchFamily="18" charset="0"/>
-              </a:rPr>
-              <a:t>д.т.н</a:t>
-            </a:r>
-            <a:r>
-              <a:rPr lang="ru-RU" dirty="0" smtClean="0">
-                <a:latin typeface="Times New Roman" panose="02020603050405020304" pitchFamily="18" charset="0"/>
-                <a:cs typeface="Times New Roman" panose="02020603050405020304" pitchFamily="18" charset="0"/>
-              </a:rPr>
-              <a:t>, проф. </a:t>
-            </a:r>
-            <a:r>
-              <a:rPr lang="ru-RU" dirty="0" err="1" smtClean="0">
-                <a:latin typeface="Times New Roman" panose="02020603050405020304" pitchFamily="18" charset="0"/>
-                <a:cs typeface="Times New Roman" panose="02020603050405020304" pitchFamily="18" charset="0"/>
-              </a:rPr>
-              <a:t>Н.Ф.Бахарева</a:t>
-            </a:r>
-            <a:endParaRPr lang="ru-RU" dirty="0">
-              <a:latin typeface="Times New Roman" panose="02020603050405020304" pitchFamily="18" charset="0"/>
-              <a:cs typeface="Times New Roman" panose="02020603050405020304" pitchFamily="18" charset="0"/>
-            </a:endParaRPr>
+              <a:t>. А. Марина</a:t>
+            </a:r>
           </a:p>
         </p:txBody>
       </p:sp>
@@ -6839,12 +6826,460 @@
           <a:chExt cx="0" cy="0"/>
         </a:xfrm>
       </p:grpSpPr>
+      <p:sp>
+        <p:nvSpPr>
+          <p:cNvPr id="4" name="Rectangle 3"/>
+          <p:cNvSpPr>
+            <a:spLocks noChangeArrowheads="1"/>
+          </p:cNvSpPr>
+          <p:nvPr/>
+        </p:nvSpPr>
+        <p:spPr bwMode="auto">
+          <a:xfrm>
+            <a:off x="2107933" y="0"/>
+            <a:ext cx="12192000" cy="457200"/>
+          </a:xfrm>
+          <a:prstGeom prst="rect">
+            <a:avLst/>
+          </a:prstGeom>
+          <a:noFill/>
+          <a:ln>
+            <a:noFill/>
+          </a:ln>
+          <a:effectLst/>
+          <a:extLst>
+            <a:ext uri="{909E8E84-426E-40DD-AFC4-6F175D3DCCD1}">
+              <a14:hiddenFill xmlns:a14="http://schemas.microsoft.com/office/drawing/2010/main">
+                <a:solidFill>
+                  <a:schemeClr val="accent1"/>
+                </a:solidFill>
+              </a14:hiddenFill>
+            </a:ext>
+            <a:ext uri="{91240B29-F687-4F45-9708-019B960494DF}">
+              <a14:hiddenLine xmlns:a14="http://schemas.microsoft.com/office/drawing/2010/main" w="9525">
+                <a:solidFill>
+                  <a:schemeClr val="tx1"/>
+                </a:solidFill>
+                <a:miter lim="800000"/>
+                <a:headEnd/>
+                <a:tailEnd/>
+              </a14:hiddenLine>
+            </a:ext>
+            <a:ext uri="{AF507438-7753-43E0-B8FC-AC1667EBCBE1}">
+              <a14:hiddenEffects xmlns:a14="http://schemas.microsoft.com/office/drawing/2010/main">
+                <a:effectLst>
+                  <a:outerShdw dist="35921" dir="2700000" algn="ctr" rotWithShape="0">
+                    <a:schemeClr val="bg2"/>
+                  </a:outerShdw>
+                </a:effectLst>
+              </a14:hiddenEffects>
+            </a:ext>
+          </a:extLst>
+        </p:spPr>
+        <p:txBody>
+          <a:bodyPr vert="horz" wrap="none" lIns="91440" tIns="45720" rIns="91440" bIns="45720" numCol="1" anchor="ctr" anchorCtr="0" compatLnSpc="1">
+            <a:prstTxWarp prst="textNoShape">
+              <a:avLst/>
+            </a:prstTxWarp>
+            <a:spAutoFit/>
+          </a:bodyPr>
+          <a:lstStyle/>
+          <a:p>
+            <a:endParaRPr lang="ru-RU"/>
+          </a:p>
+        </p:txBody>
+      </p:sp>
+      <p:sp>
+        <p:nvSpPr>
+          <p:cNvPr id="5" name="Rectangle 4"/>
+          <p:cNvSpPr>
+            <a:spLocks noChangeArrowheads="1"/>
+          </p:cNvSpPr>
+          <p:nvPr/>
+        </p:nvSpPr>
+        <p:spPr bwMode="auto">
+          <a:xfrm>
+            <a:off x="4129238" y="2636801"/>
+            <a:ext cx="3335978" cy="584775"/>
+          </a:xfrm>
+          <a:prstGeom prst="rect">
+            <a:avLst/>
+          </a:prstGeom>
+          <a:noFill/>
+          <a:ln>
+            <a:noFill/>
+          </a:ln>
+          <a:effectLst/>
+          <a:extLst>
+            <a:ext uri="{909E8E84-426E-40DD-AFC4-6F175D3DCCD1}">
+              <a14:hiddenFill xmlns:a14="http://schemas.microsoft.com/office/drawing/2010/main">
+                <a:solidFill>
+                  <a:schemeClr val="accent1"/>
+                </a:solidFill>
+              </a14:hiddenFill>
+            </a:ext>
+            <a:ext uri="{91240B29-F687-4F45-9708-019B960494DF}">
+              <a14:hiddenLine xmlns:a14="http://schemas.microsoft.com/office/drawing/2010/main" w="9525">
+                <a:solidFill>
+                  <a:schemeClr val="tx1"/>
+                </a:solidFill>
+                <a:miter lim="800000"/>
+                <a:headEnd/>
+                <a:tailEnd/>
+              </a14:hiddenLine>
+            </a:ext>
+            <a:ext uri="{AF507438-7753-43E0-B8FC-AC1667EBCBE1}">
+              <a14:hiddenEffects xmlns:a14="http://schemas.microsoft.com/office/drawing/2010/main">
+                <a:effectLst>
+                  <a:outerShdw dist="35921" dir="2700000" algn="ctr" rotWithShape="0">
+                    <a:schemeClr val="bg2"/>
+                  </a:outerShdw>
+                </a:effectLst>
+              </a14:hiddenEffects>
+            </a:ext>
+          </a:extLst>
+        </p:spPr>
+        <p:txBody>
+          <a:bodyPr vert="horz" wrap="none" lIns="91440" tIns="45720" rIns="91440" bIns="45720" numCol="1" anchor="ctr" anchorCtr="0" compatLnSpc="1">
+            <a:prstTxWarp prst="textNoShape">
+              <a:avLst/>
+            </a:prstTxWarp>
+            <a:spAutoFit/>
+          </a:bodyPr>
+          <a:lstStyle>
+            <a:lvl1pPr indent="450850" eaLnBrk="0" fontAlgn="base" hangingPunct="0">
+              <a:spcBef>
+                <a:spcPct val="0"/>
+              </a:spcBef>
+              <a:spcAft>
+                <a:spcPct val="0"/>
+              </a:spcAft>
+              <a:defRPr>
+                <a:solidFill>
+                  <a:schemeClr val="tx1"/>
+                </a:solidFill>
+                <a:latin typeface="Arial" panose="020B0604020202020204" pitchFamily="34" charset="0"/>
+              </a:defRPr>
+            </a:lvl1pPr>
+            <a:lvl2pPr eaLnBrk="0" fontAlgn="base" hangingPunct="0">
+              <a:spcBef>
+                <a:spcPct val="0"/>
+              </a:spcBef>
+              <a:spcAft>
+                <a:spcPct val="0"/>
+              </a:spcAft>
+              <a:defRPr>
+                <a:solidFill>
+                  <a:schemeClr val="tx1"/>
+                </a:solidFill>
+                <a:latin typeface="Arial" panose="020B0604020202020204" pitchFamily="34" charset="0"/>
+              </a:defRPr>
+            </a:lvl2pPr>
+            <a:lvl3pPr eaLnBrk="0" fontAlgn="base" hangingPunct="0">
+              <a:spcBef>
+                <a:spcPct val="0"/>
+              </a:spcBef>
+              <a:spcAft>
+                <a:spcPct val="0"/>
+              </a:spcAft>
+              <a:defRPr>
+                <a:solidFill>
+                  <a:schemeClr val="tx1"/>
+                </a:solidFill>
+                <a:latin typeface="Arial" panose="020B0604020202020204" pitchFamily="34" charset="0"/>
+              </a:defRPr>
+            </a:lvl3pPr>
+            <a:lvl4pPr eaLnBrk="0" fontAlgn="base" hangingPunct="0">
+              <a:spcBef>
+                <a:spcPct val="0"/>
+              </a:spcBef>
+              <a:spcAft>
+                <a:spcPct val="0"/>
+              </a:spcAft>
+              <a:defRPr>
+                <a:solidFill>
+                  <a:schemeClr val="tx1"/>
+                </a:solidFill>
+                <a:latin typeface="Arial" panose="020B0604020202020204" pitchFamily="34" charset="0"/>
+              </a:defRPr>
+            </a:lvl4pPr>
+            <a:lvl5pPr eaLnBrk="0" fontAlgn="base" hangingPunct="0">
+              <a:spcBef>
+                <a:spcPct val="0"/>
+              </a:spcBef>
+              <a:spcAft>
+                <a:spcPct val="0"/>
+              </a:spcAft>
+              <a:defRPr>
+                <a:solidFill>
+                  <a:schemeClr val="tx1"/>
+                </a:solidFill>
+                <a:latin typeface="Arial" panose="020B0604020202020204" pitchFamily="34" charset="0"/>
+              </a:defRPr>
+            </a:lvl5pPr>
+            <a:lvl6pPr eaLnBrk="0" fontAlgn="base" hangingPunct="0">
+              <a:spcBef>
+                <a:spcPct val="0"/>
+              </a:spcBef>
+              <a:spcAft>
+                <a:spcPct val="0"/>
+              </a:spcAft>
+              <a:defRPr>
+                <a:solidFill>
+                  <a:schemeClr val="tx1"/>
+                </a:solidFill>
+                <a:latin typeface="Arial" panose="020B0604020202020204" pitchFamily="34" charset="0"/>
+              </a:defRPr>
+            </a:lvl6pPr>
+            <a:lvl7pPr eaLnBrk="0" fontAlgn="base" hangingPunct="0">
+              <a:spcBef>
+                <a:spcPct val="0"/>
+              </a:spcBef>
+              <a:spcAft>
+                <a:spcPct val="0"/>
+              </a:spcAft>
+              <a:defRPr>
+                <a:solidFill>
+                  <a:schemeClr val="tx1"/>
+                </a:solidFill>
+                <a:latin typeface="Arial" panose="020B0604020202020204" pitchFamily="34" charset="0"/>
+              </a:defRPr>
+            </a:lvl7pPr>
+            <a:lvl8pPr eaLnBrk="0" fontAlgn="base" hangingPunct="0">
+              <a:spcBef>
+                <a:spcPct val="0"/>
+              </a:spcBef>
+              <a:spcAft>
+                <a:spcPct val="0"/>
+              </a:spcAft>
+              <a:defRPr>
+                <a:solidFill>
+                  <a:schemeClr val="tx1"/>
+                </a:solidFill>
+                <a:latin typeface="Arial" panose="020B0604020202020204" pitchFamily="34" charset="0"/>
+              </a:defRPr>
+            </a:lvl8pPr>
+            <a:lvl9pPr eaLnBrk="0" fontAlgn="base" hangingPunct="0">
+              <a:spcBef>
+                <a:spcPct val="0"/>
+              </a:spcBef>
+              <a:spcAft>
+                <a:spcPct val="0"/>
+              </a:spcAft>
+              <a:defRPr>
+                <a:solidFill>
+                  <a:schemeClr val="tx1"/>
+                </a:solidFill>
+                <a:latin typeface="Arial" panose="020B0604020202020204" pitchFamily="34" charset="0"/>
+              </a:defRPr>
+            </a:lvl9pPr>
+          </a:lstStyle>
+          <a:p>
+            <a:pPr marL="0" marR="0" lvl="0" indent="450850" algn="l" defTabSz="914400" rtl="0" eaLnBrk="0" fontAlgn="base" latinLnBrk="0" hangingPunct="0">
+              <a:lnSpc>
+                <a:spcPct val="100000"/>
+              </a:lnSpc>
+              <a:spcBef>
+                <a:spcPct val="0"/>
+              </a:spcBef>
+              <a:spcAft>
+                <a:spcPct val="0"/>
+              </a:spcAft>
+              <a:buClrTx/>
+              <a:buSzTx/>
+              <a:buFontTx/>
+              <a:buNone/>
+              <a:tabLst/>
+            </a:pPr>
+            <a:r>
+              <a:rPr kumimoji="0" lang="ru-RU" sz="1400" b="0" i="0" u="none" strike="noStrike" cap="none" normalizeH="0" baseline="0" dirty="0" smtClean="0">
+                <a:ln>
+                  <a:noFill/>
+                </a:ln>
+                <a:solidFill>
+                  <a:srgbClr val="000000"/>
+                </a:solidFill>
+                <a:effectLst/>
+                <a:latin typeface="Times New Roman" panose="02020603050405020304" pitchFamily="18" charset="0"/>
+                <a:ea typeface="Calibri" panose="020F0502020204030204" pitchFamily="34" charset="0"/>
+                <a:cs typeface="Times New Roman" panose="02020603050405020304" pitchFamily="18" charset="0"/>
+              </a:rPr>
+              <a:t>Распределение персонала по стажу</a:t>
+            </a:r>
+            <a:endParaRPr kumimoji="0" lang="ru-RU" sz="800" b="0" i="0" u="none" strike="noStrike" cap="none" normalizeH="0" baseline="0" dirty="0" smtClean="0">
+              <a:ln>
+                <a:noFill/>
+              </a:ln>
+              <a:solidFill>
+                <a:schemeClr val="tx1"/>
+              </a:solidFill>
+              <a:effectLst/>
+            </a:endParaRPr>
+          </a:p>
+          <a:p>
+            <a:pPr marL="0" marR="0" lvl="0" indent="450850" algn="l" defTabSz="914400" rtl="0" eaLnBrk="0" fontAlgn="base" latinLnBrk="0" hangingPunct="0">
+              <a:lnSpc>
+                <a:spcPct val="100000"/>
+              </a:lnSpc>
+              <a:spcBef>
+                <a:spcPct val="0"/>
+              </a:spcBef>
+              <a:spcAft>
+                <a:spcPct val="0"/>
+              </a:spcAft>
+              <a:buClrTx/>
+              <a:buSzTx/>
+              <a:buFontTx/>
+              <a:buNone/>
+              <a:tabLst/>
+            </a:pPr>
+            <a:endParaRPr kumimoji="0" lang="ru-RU" sz="1800" b="0" i="0" u="none" strike="noStrike" cap="none" normalizeH="0" baseline="0" dirty="0" smtClean="0">
+              <a:ln>
+                <a:noFill/>
+              </a:ln>
+              <a:solidFill>
+                <a:schemeClr val="tx1"/>
+              </a:solidFill>
+              <a:effectLst/>
+              <a:latin typeface="Arial" panose="020B0604020202020204" pitchFamily="34" charset="0"/>
+            </a:endParaRPr>
+          </a:p>
+        </p:txBody>
+      </p:sp>
+      <p:sp>
+        <p:nvSpPr>
+          <p:cNvPr id="6" name="Rectangle 5"/>
+          <p:cNvSpPr>
+            <a:spLocks noChangeArrowheads="1"/>
+          </p:cNvSpPr>
+          <p:nvPr/>
+        </p:nvSpPr>
+        <p:spPr bwMode="auto">
+          <a:xfrm>
+            <a:off x="4263992" y="5738979"/>
+            <a:ext cx="3800720" cy="307777"/>
+          </a:xfrm>
+          <a:prstGeom prst="rect">
+            <a:avLst/>
+          </a:prstGeom>
+          <a:noFill/>
+          <a:ln>
+            <a:noFill/>
+          </a:ln>
+          <a:effectLst/>
+          <a:extLst>
+            <a:ext uri="{909E8E84-426E-40DD-AFC4-6F175D3DCCD1}">
+              <a14:hiddenFill xmlns:a14="http://schemas.microsoft.com/office/drawing/2010/main">
+                <a:solidFill>
+                  <a:schemeClr val="accent1"/>
+                </a:solidFill>
+              </a14:hiddenFill>
+            </a:ext>
+            <a:ext uri="{91240B29-F687-4F45-9708-019B960494DF}">
+              <a14:hiddenLine xmlns:a14="http://schemas.microsoft.com/office/drawing/2010/main" w="9525">
+                <a:solidFill>
+                  <a:schemeClr val="tx1"/>
+                </a:solidFill>
+                <a:miter lim="800000"/>
+                <a:headEnd/>
+                <a:tailEnd/>
+              </a14:hiddenLine>
+            </a:ext>
+            <a:ext uri="{AF507438-7753-43E0-B8FC-AC1667EBCBE1}">
+              <a14:hiddenEffects xmlns:a14="http://schemas.microsoft.com/office/drawing/2010/main">
+                <a:effectLst>
+                  <a:outerShdw dist="35921" dir="2700000" algn="ctr" rotWithShape="0">
+                    <a:schemeClr val="bg2"/>
+                  </a:outerShdw>
+                </a:effectLst>
+              </a14:hiddenEffects>
+            </a:ext>
+          </a:extLst>
+        </p:spPr>
+        <p:txBody>
+          <a:bodyPr vert="horz" wrap="none" lIns="91440" tIns="45720" rIns="91440" bIns="45720" numCol="1" anchor="ctr" anchorCtr="0" compatLnSpc="1">
+            <a:prstTxWarp prst="textNoShape">
+              <a:avLst/>
+            </a:prstTxWarp>
+            <a:spAutoFit/>
+          </a:bodyPr>
+          <a:lstStyle/>
+          <a:p>
+            <a:pPr marL="0" marR="0" lvl="0" indent="0" algn="l" defTabSz="914400" rtl="0" eaLnBrk="0" fontAlgn="base" latinLnBrk="0" hangingPunct="0">
+              <a:lnSpc>
+                <a:spcPct val="100000"/>
+              </a:lnSpc>
+              <a:spcBef>
+                <a:spcPct val="0"/>
+              </a:spcBef>
+              <a:spcAft>
+                <a:spcPct val="0"/>
+              </a:spcAft>
+              <a:buClrTx/>
+              <a:buSzTx/>
+              <a:buFontTx/>
+              <a:buNone/>
+              <a:tabLst/>
+            </a:pPr>
+            <a:r>
+              <a:rPr kumimoji="0" lang="ru-RU" sz="1400" b="0" i="0" u="none" strike="noStrike" cap="none" normalizeH="0" baseline="0" dirty="0" smtClean="0">
+                <a:ln>
+                  <a:noFill/>
+                </a:ln>
+                <a:solidFill>
+                  <a:schemeClr val="tx1"/>
+                </a:solidFill>
+                <a:effectLst/>
+                <a:latin typeface="Times New Roman" panose="02020603050405020304" pitchFamily="18" charset="0"/>
+                <a:ea typeface="Calibri" panose="020F0502020204030204" pitchFamily="34" charset="0"/>
+                <a:cs typeface="Times New Roman" panose="02020603050405020304" pitchFamily="18" charset="0"/>
+              </a:rPr>
+              <a:t> </a:t>
+            </a:r>
+            <a:r>
+              <a:rPr kumimoji="0" lang="ru-RU" sz="1400" b="0" i="0" u="none" strike="noStrike" cap="none" normalizeH="0" baseline="0" dirty="0" smtClean="0">
+                <a:ln>
+                  <a:noFill/>
+                </a:ln>
+                <a:solidFill>
+                  <a:srgbClr val="000000"/>
+                </a:solidFill>
+                <a:effectLst/>
+                <a:latin typeface="Times New Roman" panose="02020603050405020304" pitchFamily="18" charset="0"/>
+                <a:ea typeface="Calibri" panose="020F0502020204030204" pitchFamily="34" charset="0"/>
+                <a:cs typeface="Times New Roman" panose="02020603050405020304" pitchFamily="18" charset="0"/>
+              </a:rPr>
+              <a:t>Распределение персонала по полу и возрасту</a:t>
+            </a:r>
+            <a:r>
+              <a:rPr kumimoji="0" lang="ru-RU" sz="800" b="0" i="0" u="none" strike="noStrike" cap="none" normalizeH="0" baseline="0" dirty="0" smtClean="0">
+                <a:ln>
+                  <a:noFill/>
+                </a:ln>
+                <a:solidFill>
+                  <a:schemeClr val="tx1"/>
+                </a:solidFill>
+                <a:effectLst/>
+              </a:rPr>
+              <a:t> </a:t>
+            </a:r>
+            <a:endParaRPr kumimoji="0" lang="ru-RU" sz="1800" b="0" i="0" u="none" strike="noStrike" cap="none" normalizeH="0" baseline="0" dirty="0" smtClean="0">
+              <a:ln>
+                <a:noFill/>
+              </a:ln>
+              <a:solidFill>
+                <a:schemeClr val="tx1"/>
+              </a:solidFill>
+              <a:effectLst/>
+              <a:latin typeface="Arial" panose="020B0604020202020204" pitchFamily="34" charset="0"/>
+            </a:endParaRPr>
+          </a:p>
+        </p:txBody>
+      </p:sp>
       <p:pic>
         <p:nvPicPr>
-          <p:cNvPr id="7170" name="Рисунок 59"/>
-          <p:cNvPicPr>
-            <a:picLocks noChangeAspect="1" noChangeArrowheads="1"/>
-          </p:cNvPicPr>
+          <p:cNvPr id="7" name="Рисунок 6" descr="C:\Users\Александр\YandexDisk\Скриншоты\2016-06-05_21-59-38.png"/>
+          <p:cNvPicPr/>
           <p:nvPr/>
         </p:nvPicPr>
         <p:blipFill>
@@ -6862,30 +7297,22 @@
         </p:blipFill>
         <p:spPr bwMode="auto">
           <a:xfrm>
-            <a:off x="1684421" y="534203"/>
-            <a:ext cx="9248775" cy="1990725"/>
+            <a:off x="1819675" y="509754"/>
+            <a:ext cx="8978265" cy="1921510"/>
           </a:xfrm>
           <a:prstGeom prst="rect">
             <a:avLst/>
           </a:prstGeom>
           <a:noFill/>
-          <a:extLst>
-            <a:ext uri="{909E8E84-426E-40DD-AFC4-6F175D3DCCD1}">
-              <a14:hiddenFill xmlns:a14="http://schemas.microsoft.com/office/drawing/2010/main">
-                <a:solidFill>
-                  <a:srgbClr val="FFFFFF"/>
-                </a:solidFill>
-              </a14:hiddenFill>
-            </a:ext>
-          </a:extLst>
+          <a:ln>
+            <a:noFill/>
+          </a:ln>
         </p:spPr>
       </p:pic>
       <p:pic>
         <p:nvPicPr>
-          <p:cNvPr id="7169" name="Рисунок 58"/>
-          <p:cNvPicPr>
-            <a:picLocks noChangeAspect="1" noChangeArrowheads="1"/>
-          </p:cNvPicPr>
+          <p:cNvPr id="8" name="Рисунок 7" descr="C:\Users\Александр\YandexDisk\Скриншоты\2016-06-05_22-02-37.png"/>
+          <p:cNvPicPr/>
           <p:nvPr/>
         </p:nvPicPr>
         <p:blipFill>
@@ -6903,36 +7330,8 @@
         </p:blipFill>
         <p:spPr bwMode="auto">
           <a:xfrm>
-            <a:off x="1684421" y="3747335"/>
-            <a:ext cx="9248775" cy="1914525"/>
-          </a:xfrm>
-          <a:prstGeom prst="rect">
-            <a:avLst/>
-          </a:prstGeom>
-          <a:noFill/>
-          <a:extLst>
-            <a:ext uri="{909E8E84-426E-40DD-AFC4-6F175D3DCCD1}">
-              <a14:hiddenFill xmlns:a14="http://schemas.microsoft.com/office/drawing/2010/main">
-                <a:solidFill>
-                  <a:srgbClr val="FFFFFF"/>
-                </a:solidFill>
-              </a14:hiddenFill>
-            </a:ext>
-          </a:extLst>
-        </p:spPr>
-      </p:pic>
-      <p:sp>
-        <p:nvSpPr>
-          <p:cNvPr id="4" name="Rectangle 3"/>
-          <p:cNvSpPr>
-            <a:spLocks noChangeArrowheads="1"/>
-          </p:cNvSpPr>
-          <p:nvPr/>
-        </p:nvSpPr>
-        <p:spPr bwMode="auto">
-          <a:xfrm>
-            <a:off x="2107933" y="0"/>
-            <a:ext cx="12192000" cy="457200"/>
+            <a:off x="1819674" y="3434750"/>
+            <a:ext cx="8978265" cy="2091055"/>
           </a:xfrm>
           <a:prstGeom prst="rect">
             <a:avLst/>
@@ -6941,436 +7340,8 @@
           <a:ln>
             <a:noFill/>
           </a:ln>
-          <a:effectLst/>
-          <a:extLst>
-            <a:ext uri="{909E8E84-426E-40DD-AFC4-6F175D3DCCD1}">
-              <a14:hiddenFill xmlns:a14="http://schemas.microsoft.com/office/drawing/2010/main">
-                <a:solidFill>
-                  <a:schemeClr val="accent1"/>
-                </a:solidFill>
-              </a14:hiddenFill>
-            </a:ext>
-            <a:ext uri="{91240B29-F687-4F45-9708-019B960494DF}">
-              <a14:hiddenLine xmlns:a14="http://schemas.microsoft.com/office/drawing/2010/main" w="9525">
-                <a:solidFill>
-                  <a:schemeClr val="tx1"/>
-                </a:solidFill>
-                <a:miter lim="800000"/>
-                <a:headEnd/>
-                <a:tailEnd/>
-              </a14:hiddenLine>
-            </a:ext>
-            <a:ext uri="{AF507438-7753-43E0-B8FC-AC1667EBCBE1}">
-              <a14:hiddenEffects xmlns:a14="http://schemas.microsoft.com/office/drawing/2010/main">
-                <a:effectLst>
-                  <a:outerShdw dist="35921" dir="2700000" algn="ctr" rotWithShape="0">
-                    <a:schemeClr val="bg2"/>
-                  </a:outerShdw>
-                </a:effectLst>
-              </a14:hiddenEffects>
-            </a:ext>
-          </a:extLst>
         </p:spPr>
-        <p:txBody>
-          <a:bodyPr vert="horz" wrap="none" lIns="91440" tIns="45720" rIns="91440" bIns="45720" numCol="1" anchor="ctr" anchorCtr="0" compatLnSpc="1">
-            <a:prstTxWarp prst="textNoShape">
-              <a:avLst/>
-            </a:prstTxWarp>
-            <a:spAutoFit/>
-          </a:bodyPr>
-          <a:lstStyle/>
-          <a:p>
-            <a:endParaRPr lang="ru-RU"/>
-          </a:p>
-        </p:txBody>
-      </p:sp>
-      <p:sp>
-        <p:nvSpPr>
-          <p:cNvPr id="5" name="Rectangle 4"/>
-          <p:cNvSpPr>
-            <a:spLocks noChangeArrowheads="1"/>
-          </p:cNvSpPr>
-          <p:nvPr/>
-        </p:nvSpPr>
-        <p:spPr bwMode="auto">
-          <a:xfrm>
-            <a:off x="4129238" y="2636801"/>
-            <a:ext cx="3335978" cy="584775"/>
-          </a:xfrm>
-          <a:prstGeom prst="rect">
-            <a:avLst/>
-          </a:prstGeom>
-          <a:noFill/>
-          <a:ln>
-            <a:noFill/>
-          </a:ln>
-          <a:effectLst/>
-          <a:extLst>
-            <a:ext uri="{909E8E84-426E-40DD-AFC4-6F175D3DCCD1}">
-              <a14:hiddenFill xmlns:a14="http://schemas.microsoft.com/office/drawing/2010/main">
-                <a:solidFill>
-                  <a:schemeClr val="accent1"/>
-                </a:solidFill>
-              </a14:hiddenFill>
-            </a:ext>
-            <a:ext uri="{91240B29-F687-4F45-9708-019B960494DF}">
-              <a14:hiddenLine xmlns:a14="http://schemas.microsoft.com/office/drawing/2010/main" w="9525">
-                <a:solidFill>
-                  <a:schemeClr val="tx1"/>
-                </a:solidFill>
-                <a:miter lim="800000"/>
-                <a:headEnd/>
-                <a:tailEnd/>
-              </a14:hiddenLine>
-            </a:ext>
-            <a:ext uri="{AF507438-7753-43E0-B8FC-AC1667EBCBE1}">
-              <a14:hiddenEffects xmlns:a14="http://schemas.microsoft.com/office/drawing/2010/main">
-                <a:effectLst>
-                  <a:outerShdw dist="35921" dir="2700000" algn="ctr" rotWithShape="0">
-                    <a:schemeClr val="bg2"/>
-                  </a:outerShdw>
-                </a:effectLst>
-              </a14:hiddenEffects>
-            </a:ext>
-          </a:extLst>
-        </p:spPr>
-        <p:txBody>
-          <a:bodyPr vert="horz" wrap="none" lIns="91440" tIns="45720" rIns="91440" bIns="45720" numCol="1" anchor="ctr" anchorCtr="0" compatLnSpc="1">
-            <a:prstTxWarp prst="textNoShape">
-              <a:avLst/>
-            </a:prstTxWarp>
-            <a:spAutoFit/>
-          </a:bodyPr>
-          <a:lstStyle>
-            <a:lvl1pPr indent="450850" eaLnBrk="0" fontAlgn="base" hangingPunct="0">
-              <a:spcBef>
-                <a:spcPct val="0"/>
-              </a:spcBef>
-              <a:spcAft>
-                <a:spcPct val="0"/>
-              </a:spcAft>
-              <a:defRPr>
-                <a:solidFill>
-                  <a:schemeClr val="tx1"/>
-                </a:solidFill>
-                <a:latin typeface="Arial" panose="020B0604020202020204" pitchFamily="34" charset="0"/>
-              </a:defRPr>
-            </a:lvl1pPr>
-            <a:lvl2pPr eaLnBrk="0" fontAlgn="base" hangingPunct="0">
-              <a:spcBef>
-                <a:spcPct val="0"/>
-              </a:spcBef>
-              <a:spcAft>
-                <a:spcPct val="0"/>
-              </a:spcAft>
-              <a:defRPr>
-                <a:solidFill>
-                  <a:schemeClr val="tx1"/>
-                </a:solidFill>
-                <a:latin typeface="Arial" panose="020B0604020202020204" pitchFamily="34" charset="0"/>
-              </a:defRPr>
-            </a:lvl2pPr>
-            <a:lvl3pPr eaLnBrk="0" fontAlgn="base" hangingPunct="0">
-              <a:spcBef>
-                <a:spcPct val="0"/>
-              </a:spcBef>
-              <a:spcAft>
-                <a:spcPct val="0"/>
-              </a:spcAft>
-              <a:defRPr>
-                <a:solidFill>
-                  <a:schemeClr val="tx1"/>
-                </a:solidFill>
-                <a:latin typeface="Arial" panose="020B0604020202020204" pitchFamily="34" charset="0"/>
-              </a:defRPr>
-            </a:lvl3pPr>
-            <a:lvl4pPr eaLnBrk="0" fontAlgn="base" hangingPunct="0">
-              <a:spcBef>
-                <a:spcPct val="0"/>
-              </a:spcBef>
-              <a:spcAft>
-                <a:spcPct val="0"/>
-              </a:spcAft>
-              <a:defRPr>
-                <a:solidFill>
-                  <a:schemeClr val="tx1"/>
-                </a:solidFill>
-                <a:latin typeface="Arial" panose="020B0604020202020204" pitchFamily="34" charset="0"/>
-              </a:defRPr>
-            </a:lvl4pPr>
-            <a:lvl5pPr eaLnBrk="0" fontAlgn="base" hangingPunct="0">
-              <a:spcBef>
-                <a:spcPct val="0"/>
-              </a:spcBef>
-              <a:spcAft>
-                <a:spcPct val="0"/>
-              </a:spcAft>
-              <a:defRPr>
-                <a:solidFill>
-                  <a:schemeClr val="tx1"/>
-                </a:solidFill>
-                <a:latin typeface="Arial" panose="020B0604020202020204" pitchFamily="34" charset="0"/>
-              </a:defRPr>
-            </a:lvl5pPr>
-            <a:lvl6pPr eaLnBrk="0" fontAlgn="base" hangingPunct="0">
-              <a:spcBef>
-                <a:spcPct val="0"/>
-              </a:spcBef>
-              <a:spcAft>
-                <a:spcPct val="0"/>
-              </a:spcAft>
-              <a:defRPr>
-                <a:solidFill>
-                  <a:schemeClr val="tx1"/>
-                </a:solidFill>
-                <a:latin typeface="Arial" panose="020B0604020202020204" pitchFamily="34" charset="0"/>
-              </a:defRPr>
-            </a:lvl6pPr>
-            <a:lvl7pPr eaLnBrk="0" fontAlgn="base" hangingPunct="0">
-              <a:spcBef>
-                <a:spcPct val="0"/>
-              </a:spcBef>
-              <a:spcAft>
-                <a:spcPct val="0"/>
-              </a:spcAft>
-              <a:defRPr>
-                <a:solidFill>
-                  <a:schemeClr val="tx1"/>
-                </a:solidFill>
-                <a:latin typeface="Arial" panose="020B0604020202020204" pitchFamily="34" charset="0"/>
-              </a:defRPr>
-            </a:lvl7pPr>
-            <a:lvl8pPr eaLnBrk="0" fontAlgn="base" hangingPunct="0">
-              <a:spcBef>
-                <a:spcPct val="0"/>
-              </a:spcBef>
-              <a:spcAft>
-                <a:spcPct val="0"/>
-              </a:spcAft>
-              <a:defRPr>
-                <a:solidFill>
-                  <a:schemeClr val="tx1"/>
-                </a:solidFill>
-                <a:latin typeface="Arial" panose="020B0604020202020204" pitchFamily="34" charset="0"/>
-              </a:defRPr>
-            </a:lvl8pPr>
-            <a:lvl9pPr eaLnBrk="0" fontAlgn="base" hangingPunct="0">
-              <a:spcBef>
-                <a:spcPct val="0"/>
-              </a:spcBef>
-              <a:spcAft>
-                <a:spcPct val="0"/>
-              </a:spcAft>
-              <a:defRPr>
-                <a:solidFill>
-                  <a:schemeClr val="tx1"/>
-                </a:solidFill>
-                <a:latin typeface="Arial" panose="020B0604020202020204" pitchFamily="34" charset="0"/>
-              </a:defRPr>
-            </a:lvl9pPr>
-          </a:lstStyle>
-          <a:p>
-            <a:pPr marL="0" marR="0" lvl="0" indent="450850" algn="l" defTabSz="914400" rtl="0" eaLnBrk="0" fontAlgn="base" latinLnBrk="0" hangingPunct="0">
-              <a:lnSpc>
-                <a:spcPct val="100000"/>
-              </a:lnSpc>
-              <a:spcBef>
-                <a:spcPct val="0"/>
-              </a:spcBef>
-              <a:spcAft>
-                <a:spcPct val="0"/>
-              </a:spcAft>
-              <a:buClrTx/>
-              <a:buSzTx/>
-              <a:buFontTx/>
-              <a:buNone/>
-              <a:tabLst/>
-            </a:pPr>
-            <a:r>
-              <a:rPr kumimoji="0" lang="ru-RU" sz="1400" b="0" i="0" u="none" strike="noStrike" cap="none" normalizeH="0" baseline="0" dirty="0" smtClean="0">
-                <a:ln>
-                  <a:noFill/>
-                </a:ln>
-                <a:solidFill>
-                  <a:srgbClr val="000000"/>
-                </a:solidFill>
-                <a:effectLst/>
-                <a:latin typeface="Times New Roman" panose="02020603050405020304" pitchFamily="18" charset="0"/>
-                <a:ea typeface="Calibri" panose="020F0502020204030204" pitchFamily="34" charset="0"/>
-                <a:cs typeface="Times New Roman" panose="02020603050405020304" pitchFamily="18" charset="0"/>
-              </a:rPr>
-              <a:t>Распределение персонала по стажу</a:t>
-            </a:r>
-            <a:endParaRPr kumimoji="0" lang="ru-RU" sz="800" b="0" i="0" u="none" strike="noStrike" cap="none" normalizeH="0" baseline="0" dirty="0" smtClean="0">
-              <a:ln>
-                <a:noFill/>
-              </a:ln>
-              <a:solidFill>
-                <a:schemeClr val="tx1"/>
-              </a:solidFill>
-              <a:effectLst/>
-            </a:endParaRPr>
-          </a:p>
-          <a:p>
-            <a:pPr marL="0" marR="0" lvl="0" indent="450850" algn="l" defTabSz="914400" rtl="0" eaLnBrk="0" fontAlgn="base" latinLnBrk="0" hangingPunct="0">
-              <a:lnSpc>
-                <a:spcPct val="100000"/>
-              </a:lnSpc>
-              <a:spcBef>
-                <a:spcPct val="0"/>
-              </a:spcBef>
-              <a:spcAft>
-                <a:spcPct val="0"/>
-              </a:spcAft>
-              <a:buClrTx/>
-              <a:buSzTx/>
-              <a:buFontTx/>
-              <a:buNone/>
-              <a:tabLst/>
-            </a:pPr>
-            <a:endParaRPr kumimoji="0" lang="ru-RU" sz="1800" b="0" i="0" u="none" strike="noStrike" cap="none" normalizeH="0" baseline="0" dirty="0" smtClean="0">
-              <a:ln>
-                <a:noFill/>
-              </a:ln>
-              <a:solidFill>
-                <a:schemeClr val="tx1"/>
-              </a:solidFill>
-              <a:effectLst/>
-              <a:latin typeface="Arial" panose="020B0604020202020204" pitchFamily="34" charset="0"/>
-            </a:endParaRPr>
-          </a:p>
-        </p:txBody>
-      </p:sp>
-      <p:sp>
-        <p:nvSpPr>
-          <p:cNvPr id="6" name="Rectangle 5"/>
-          <p:cNvSpPr>
-            <a:spLocks noChangeArrowheads="1"/>
-          </p:cNvSpPr>
-          <p:nvPr/>
-        </p:nvSpPr>
-        <p:spPr bwMode="auto">
-          <a:xfrm>
-            <a:off x="4263992" y="5738979"/>
-            <a:ext cx="3800720" cy="307777"/>
-          </a:xfrm>
-          <a:prstGeom prst="rect">
-            <a:avLst/>
-          </a:prstGeom>
-          <a:noFill/>
-          <a:ln>
-            <a:noFill/>
-          </a:ln>
-          <a:effectLst/>
-          <a:extLst>
-            <a:ext uri="{909E8E84-426E-40DD-AFC4-6F175D3DCCD1}">
-              <a14:hiddenFill xmlns:a14="http://schemas.microsoft.com/office/drawing/2010/main">
-                <a:solidFill>
-                  <a:schemeClr val="accent1"/>
-                </a:solidFill>
-              </a14:hiddenFill>
-            </a:ext>
-            <a:ext uri="{91240B29-F687-4F45-9708-019B960494DF}">
-              <a14:hiddenLine xmlns:a14="http://schemas.microsoft.com/office/drawing/2010/main" w="9525">
-                <a:solidFill>
-                  <a:schemeClr val="tx1"/>
-                </a:solidFill>
-                <a:miter lim="800000"/>
-                <a:headEnd/>
-                <a:tailEnd/>
-              </a14:hiddenLine>
-            </a:ext>
-            <a:ext uri="{AF507438-7753-43E0-B8FC-AC1667EBCBE1}">
-              <a14:hiddenEffects xmlns:a14="http://schemas.microsoft.com/office/drawing/2010/main">
-                <a:effectLst>
-                  <a:outerShdw dist="35921" dir="2700000" algn="ctr" rotWithShape="0">
-                    <a:schemeClr val="bg2"/>
-                  </a:outerShdw>
-                </a:effectLst>
-              </a14:hiddenEffects>
-            </a:ext>
-          </a:extLst>
-        </p:spPr>
-        <p:txBody>
-          <a:bodyPr vert="horz" wrap="none" lIns="91440" tIns="45720" rIns="91440" bIns="45720" numCol="1" anchor="ctr" anchorCtr="0" compatLnSpc="1">
-            <a:prstTxWarp prst="textNoShape">
-              <a:avLst/>
-            </a:prstTxWarp>
-            <a:spAutoFit/>
-          </a:bodyPr>
-          <a:lstStyle/>
-          <a:p>
-            <a:pPr marL="0" marR="0" lvl="0" indent="0" algn="l" defTabSz="914400" rtl="0" eaLnBrk="0" fontAlgn="base" latinLnBrk="0" hangingPunct="0">
-              <a:lnSpc>
-                <a:spcPct val="100000"/>
-              </a:lnSpc>
-              <a:spcBef>
-                <a:spcPct val="0"/>
-              </a:spcBef>
-              <a:spcAft>
-                <a:spcPct val="0"/>
-              </a:spcAft>
-              <a:buClrTx/>
-              <a:buSzTx/>
-              <a:buFontTx/>
-              <a:buNone/>
-              <a:tabLst/>
-            </a:pPr>
-            <a:r>
-              <a:rPr kumimoji="0" lang="ru-RU" sz="1400" b="0" i="0" u="none" strike="noStrike" cap="none" normalizeH="0" baseline="0" dirty="0" smtClean="0">
-                <a:ln>
-                  <a:noFill/>
-                </a:ln>
-                <a:solidFill>
-                  <a:schemeClr val="tx1"/>
-                </a:solidFill>
-                <a:effectLst/>
-                <a:latin typeface="Times New Roman" panose="02020603050405020304" pitchFamily="18" charset="0"/>
-                <a:ea typeface="Calibri" panose="020F0502020204030204" pitchFamily="34" charset="0"/>
-                <a:cs typeface="Times New Roman" panose="02020603050405020304" pitchFamily="18" charset="0"/>
-              </a:rPr>
-              <a:t> </a:t>
-            </a:r>
-            <a:r>
-              <a:rPr kumimoji="0" lang="ru-RU" sz="1400" b="0" i="0" u="none" strike="noStrike" cap="none" normalizeH="0" baseline="0" dirty="0" smtClean="0">
-                <a:ln>
-                  <a:noFill/>
-                </a:ln>
-                <a:solidFill>
-                  <a:srgbClr val="000000"/>
-                </a:solidFill>
-                <a:effectLst/>
-                <a:latin typeface="Times New Roman" panose="02020603050405020304" pitchFamily="18" charset="0"/>
-                <a:ea typeface="Calibri" panose="020F0502020204030204" pitchFamily="34" charset="0"/>
-                <a:cs typeface="Times New Roman" panose="02020603050405020304" pitchFamily="18" charset="0"/>
-              </a:rPr>
-              <a:t>Распределение персонала по полу и возрасту</a:t>
-            </a:r>
-            <a:r>
-              <a:rPr kumimoji="0" lang="ru-RU" sz="800" b="0" i="0" u="none" strike="noStrike" cap="none" normalizeH="0" baseline="0" dirty="0" smtClean="0">
-                <a:ln>
-                  <a:noFill/>
-                </a:ln>
-                <a:solidFill>
-                  <a:schemeClr val="tx1"/>
-                </a:solidFill>
-                <a:effectLst/>
-              </a:rPr>
-              <a:t> </a:t>
-            </a:r>
-            <a:endParaRPr kumimoji="0" lang="ru-RU" sz="1800" b="0" i="0" u="none" strike="noStrike" cap="none" normalizeH="0" baseline="0" dirty="0" smtClean="0">
-              <a:ln>
-                <a:noFill/>
-              </a:ln>
-              <a:solidFill>
-                <a:schemeClr val="tx1"/>
-              </a:solidFill>
-              <a:effectLst/>
-              <a:latin typeface="Arial" panose="020B0604020202020204" pitchFamily="34" charset="0"/>
-            </a:endParaRPr>
-          </a:p>
-        </p:txBody>
-      </p:sp>
+      </p:pic>
     </p:spTree>
     <p:extLst>
       <p:ext uri="{BB962C8B-B14F-4D97-AF65-F5344CB8AC3E}">
@@ -7837,8 +7808,20 @@
               <a:buChar char="Ø"/>
             </a:pPr>
             <a:r>
+              <a:rPr lang="ru-RU" dirty="0" smtClean="0"/>
+              <a:t>Проанализировать </a:t>
+            </a:r>
+            <a:r>
               <a:rPr lang="ru-RU" dirty="0"/>
-              <a:t>Изучить теорию управления образовательными учреждениями и вузами.</a:t>
+              <a:t>деятельность </a:t>
+            </a:r>
+            <a:r>
+              <a:rPr lang="ru-RU" dirty="0" smtClean="0"/>
+              <a:t>УОУП ПГУТИ</a:t>
+            </a:r>
+            <a:r>
+              <a:rPr lang="ru-RU" dirty="0"/>
+              <a:t>, связанную с управлением ППС.</a:t>
             </a:r>
           </a:p>
           <a:p>
@@ -7848,7 +7831,11 @@
             </a:pPr>
             <a:r>
               <a:rPr lang="ru-RU" dirty="0"/>
-              <a:t>Проанализировать деятельность учебного отдела ПГУТИ, связанную с управлением ППС.</a:t>
+              <a:t>Разработать формы отчетов по ППС</a:t>
+            </a:r>
+            <a:r>
+              <a:rPr lang="ru-RU" dirty="0" smtClean="0"/>
+              <a:t>.</a:t>
             </a:r>
           </a:p>
           <a:p>
@@ -7857,8 +7844,8 @@
               <a:buChar char="Ø"/>
             </a:pPr>
             <a:r>
-              <a:rPr lang="ru-RU" dirty="0"/>
-              <a:t>Разработать формы отчетов по ППС.</a:t>
+              <a:rPr lang="ru-RU" dirty="0" smtClean="0"/>
+              <a:t>Разработать схему БД управлением отчётностью ППС.</a:t>
             </a:r>
           </a:p>
           <a:p>
@@ -7867,9 +7854,25 @@
               <a:buChar char="Ø"/>
             </a:pPr>
             <a:r>
+              <a:rPr lang="ru-RU" dirty="0" smtClean="0"/>
+              <a:t>Разработка </a:t>
+            </a:r>
+            <a:r>
               <a:rPr lang="ru-RU" dirty="0"/>
-              <a:t>Спроектировать информационную систему.</a:t>
-            </a:r>
+              <a:t>алгоритма работы модуля мониторинг </a:t>
+            </a:r>
+            <a:r>
+              <a:rPr lang="ru-RU" dirty="0"/>
+              <a:t/>
+            </a:r>
+            <a:br>
+              <a:rPr lang="ru-RU" dirty="0"/>
+            </a:br>
+            <a:r>
+              <a:rPr lang="ru-RU" dirty="0"/>
+              <a:t>эффективности вуза </a:t>
+            </a:r>
+            <a:endParaRPr lang="ru-RU" dirty="0"/>
           </a:p>
           <a:p>
             <a:pPr lvl="0">
@@ -7878,8 +7881,9 @@
             </a:pPr>
             <a:r>
               <a:rPr lang="ru-RU" dirty="0"/>
-              <a:t>Разработать схему БД управлением отчётностью ППС.</a:t>
-            </a:r>
+              <a:t>Создание модуля мониторинг эффективности вуза </a:t>
+            </a:r>
+            <a:endParaRPr lang="ru-RU" dirty="0" smtClean="0"/>
           </a:p>
           <a:p>
             <a:pPr lvl="0">
@@ -7887,25 +7891,30 @@
               <a:buChar char="Ø"/>
             </a:pPr>
             <a:r>
+              <a:rPr lang="ru-RU" dirty="0" smtClean="0"/>
+              <a:t>Тестирование модуля мониторинг эффективности вуза</a:t>
+            </a:r>
+            <a:endParaRPr lang="ru-RU" dirty="0" smtClean="0"/>
+          </a:p>
+          <a:p>
+            <a:pPr marL="0" indent="0">
+              <a:buNone/>
+            </a:pPr>
+            <a:r>
+              <a:rPr lang="ru-RU" b="1" dirty="0" smtClean="0"/>
+              <a:t>Объектом</a:t>
+            </a:r>
+            <a:r>
+              <a:rPr lang="ru-RU" dirty="0" smtClean="0"/>
+              <a:t> </a:t>
+            </a:r>
+            <a:r>
               <a:rPr lang="ru-RU" dirty="0"/>
-              <a:t>Реализовать программное обеспечение системы.</a:t>
-            </a:r>
-          </a:p>
-          <a:p>
-            <a:pPr marL="0" indent="0">
-              <a:buNone/>
-            </a:pPr>
-            <a:r>
-              <a:rPr lang="ru-RU" b="1" dirty="0"/>
-              <a:t>Объектом</a:t>
-            </a:r>
-            <a:r>
-              <a:rPr lang="ru-RU" dirty="0"/>
-              <a:t> исследования для данной дипломной работы является учебный отдел </a:t>
+              <a:t>исследования для данной дипломной работы является </a:t>
             </a:r>
             <a:r>
               <a:rPr lang="ru-RU" dirty="0" smtClean="0"/>
-              <a:t>ПГУТИ. </a:t>
+              <a:t>УОУП ПГУТИ. </a:t>
             </a:r>
             <a:endParaRPr lang="ru-RU" dirty="0"/>
           </a:p>
@@ -7919,7 +7928,15 @@
             </a:r>
             <a:r>
               <a:rPr lang="ru-RU" dirty="0"/>
-              <a:t> рассмотрения является деятельность учебного отдела ПГУТИ, связанная с формированием ежегодных отчетов и </a:t>
+              <a:t> рассмотрения является деятельность </a:t>
+            </a:r>
+            <a:r>
+              <a:rPr lang="ru-RU" dirty="0" smtClean="0"/>
+              <a:t>УОУП ПГУТИ</a:t>
+            </a:r>
+            <a:r>
+              <a:rPr lang="ru-RU" dirty="0"/>
+              <a:t>, связанная с формированием ежегодных отчетов и </a:t>
             </a:r>
             <a:r>
               <a:rPr lang="ru-RU" dirty="0" smtClean="0"/>
@@ -8476,7 +8493,7 @@
         </p:blipFill>
         <p:spPr>
           <a:xfrm>
-            <a:off x="2499174" y="682459"/>
+            <a:off x="2533680" y="699712"/>
             <a:ext cx="7641113" cy="5035954"/>
           </a:xfrm>
           <a:prstGeom prst="rect">
@@ -8484,6 +8501,92 @@
           </a:prstGeom>
         </p:spPr>
       </p:pic>
+      <p:sp>
+        <p:nvSpPr>
+          <p:cNvPr id="3" name="Rectangle 3"/>
+          <p:cNvSpPr>
+            <a:spLocks noChangeArrowheads="1"/>
+          </p:cNvSpPr>
+          <p:nvPr/>
+        </p:nvSpPr>
+        <p:spPr bwMode="auto">
+          <a:xfrm>
+            <a:off x="3706076" y="5704889"/>
+            <a:ext cx="5088124" cy="369332"/>
+          </a:xfrm>
+          <a:prstGeom prst="rect">
+            <a:avLst/>
+          </a:prstGeom>
+          <a:noFill/>
+          <a:ln>
+            <a:noFill/>
+          </a:ln>
+          <a:effectLst/>
+          <a:extLst>
+            <a:ext uri="{909E8E84-426E-40DD-AFC4-6F175D3DCCD1}">
+              <a14:hiddenFill xmlns:a14="http://schemas.microsoft.com/office/drawing/2010/main">
+                <a:solidFill>
+                  <a:schemeClr val="accent1"/>
+                </a:solidFill>
+              </a14:hiddenFill>
+            </a:ext>
+            <a:ext uri="{91240B29-F687-4F45-9708-019B960494DF}">
+              <a14:hiddenLine xmlns:a14="http://schemas.microsoft.com/office/drawing/2010/main" w="9525">
+                <a:solidFill>
+                  <a:schemeClr val="tx1"/>
+                </a:solidFill>
+                <a:miter lim="800000"/>
+                <a:headEnd/>
+                <a:tailEnd/>
+              </a14:hiddenLine>
+            </a:ext>
+            <a:ext uri="{AF507438-7753-43E0-B8FC-AC1667EBCBE1}">
+              <a14:hiddenEffects xmlns:a14="http://schemas.microsoft.com/office/drawing/2010/main">
+                <a:effectLst>
+                  <a:outerShdw dist="35921" dir="2700000" algn="ctr" rotWithShape="0">
+                    <a:schemeClr val="bg2"/>
+                  </a:outerShdw>
+                </a:effectLst>
+              </a14:hiddenEffects>
+            </a:ext>
+          </a:extLst>
+        </p:spPr>
+        <p:txBody>
+          <a:bodyPr vert="horz" wrap="none" lIns="91440" tIns="45720" rIns="91440" bIns="45720" numCol="1" anchor="ctr" anchorCtr="0" compatLnSpc="1">
+            <a:prstTxWarp prst="textNoShape">
+              <a:avLst/>
+            </a:prstTxWarp>
+            <a:spAutoFit/>
+          </a:bodyPr>
+          <a:lstStyle/>
+          <a:p>
+            <a:pPr lvl="0" algn="ctr" eaLnBrk="0" fontAlgn="base" hangingPunct="0">
+              <a:spcBef>
+                <a:spcPct val="0"/>
+              </a:spcBef>
+              <a:spcAft>
+                <a:spcPct val="0"/>
+              </a:spcAft>
+            </a:pPr>
+            <a:r>
+              <a:rPr lang="ru-RU" dirty="0" smtClean="0">
+                <a:latin typeface="Arial" panose="020B0604020202020204" pitchFamily="34" charset="0"/>
+              </a:rPr>
+              <a:t>Диаграмма последовательности авторизации</a:t>
+            </a:r>
+            <a:endParaRPr kumimoji="0" lang="ru-RU" sz="1800" b="0" i="0" u="none" strike="noStrike" cap="none" normalizeH="0" baseline="0" dirty="0" smtClean="0">
+              <a:ln>
+                <a:noFill/>
+              </a:ln>
+              <a:solidFill>
+                <a:schemeClr val="tx1"/>
+              </a:solidFill>
+              <a:effectLst/>
+              <a:latin typeface="Arial" panose="020B0604020202020204" pitchFamily="34" charset="0"/>
+            </a:endParaRPr>
+          </a:p>
+        </p:txBody>
+      </p:sp>
     </p:spTree>
     <p:extLst>
       <p:ext uri="{BB962C8B-B14F-4D97-AF65-F5344CB8AC3E}">
@@ -9300,47 +9403,6 @@
           </a:p>
         </p:txBody>
       </p:sp>
-      <p:pic>
-        <p:nvPicPr>
-          <p:cNvPr id="4097" name="Рисунок 24"/>
-          <p:cNvPicPr>
-            <a:picLocks noChangeAspect="1" noChangeArrowheads="1"/>
-          </p:cNvPicPr>
-          <p:nvPr/>
-        </p:nvPicPr>
-        <p:blipFill>
-          <a:blip r:embed="rId2">
-            <a:extLst>
-              <a:ext uri="{28A0092B-C50C-407E-A947-70E740481C1C}">
-                <a14:useLocalDpi xmlns:a14="http://schemas.microsoft.com/office/drawing/2010/main" val="0"/>
-              </a:ext>
-            </a:extLst>
-          </a:blip>
-          <a:srcRect/>
-          <a:stretch>
-            <a:fillRect/>
-          </a:stretch>
-        </p:blipFill>
-        <p:spPr bwMode="auto">
-          <a:xfrm>
-            <a:off x="3231482" y="182880"/>
-            <a:ext cx="6210300" cy="6044364"/>
-          </a:xfrm>
-          <a:prstGeom prst="rect">
-            <a:avLst/>
-          </a:prstGeom>
-          <a:noFill/>
-          <a:extLst>
-            <a:ext uri="{909E8E84-426E-40DD-AFC4-6F175D3DCCD1}">
-              <a14:hiddenFill xmlns:a14="http://schemas.microsoft.com/office/drawing/2010/main">
-                <a:solidFill>
-                  <a:srgbClr val="FFFFFF"/>
-                </a:solidFill>
-              </a14:hiddenFill>
-            </a:ext>
-          </a:extLst>
-        </p:spPr>
-      </p:pic>
       <p:sp>
         <p:nvSpPr>
           <p:cNvPr id="5" name="Rectangle 3"/>
@@ -9444,6 +9506,30 @@
           </a:p>
         </p:txBody>
       </p:sp>
+      <p:pic>
+        <p:nvPicPr>
+          <p:cNvPr id="2" name="Рисунок 1"/>
+          <p:cNvPicPr>
+            <a:picLocks noChangeAspect="1"/>
+          </p:cNvPicPr>
+          <p:nvPr/>
+        </p:nvPicPr>
+        <p:blipFill>
+          <a:blip r:embed="rId2"/>
+          <a:stretch>
+            <a:fillRect/>
+          </a:stretch>
+        </p:blipFill>
+        <p:spPr>
+          <a:xfrm>
+            <a:off x="2909887" y="186906"/>
+            <a:ext cx="6353175" cy="6115050"/>
+          </a:xfrm>
+          <a:prstGeom prst="rect">
+            <a:avLst/>
+          </a:prstGeom>
+        </p:spPr>
+      </p:pic>
     </p:spTree>
     <p:extLst>
       <p:ext uri="{BB962C8B-B14F-4D97-AF65-F5344CB8AC3E}">
@@ -9482,58 +9568,17 @@
           <a:chExt cx="0" cy="0"/>
         </a:xfrm>
       </p:grpSpPr>
-      <p:pic>
-        <p:nvPicPr>
-          <p:cNvPr id="6145" name="Рисунок 61"/>
-          <p:cNvPicPr>
-            <a:picLocks noChangeAspect="1" noChangeArrowheads="1"/>
-          </p:cNvPicPr>
+      <p:sp>
+        <p:nvSpPr>
+          <p:cNvPr id="5" name="Rectangle 3"/>
+          <p:cNvSpPr>
+            <a:spLocks noChangeArrowheads="1"/>
+          </p:cNvSpPr>
           <p:nvPr/>
-        </p:nvPicPr>
-        <p:blipFill>
-          <a:blip r:embed="rId2">
-            <a:extLst>
-              <a:ext uri="{28A0092B-C50C-407E-A947-70E740481C1C}">
-                <a14:useLocalDpi xmlns:a14="http://schemas.microsoft.com/office/drawing/2010/main" val="0"/>
-              </a:ext>
-            </a:extLst>
-          </a:blip>
-          <a:srcRect/>
-          <a:stretch>
-            <a:fillRect/>
-          </a:stretch>
-        </p:blipFill>
+        </p:nvSpPr>
         <p:spPr bwMode="auto">
           <a:xfrm>
-            <a:off x="1790299" y="2117558"/>
-            <a:ext cx="9248775" cy="1780072"/>
-          </a:xfrm>
-          <a:prstGeom prst="rect">
-            <a:avLst/>
-          </a:prstGeom>
-          <a:noFill/>
-          <a:extLst>
-            <a:ext uri="{909E8E84-426E-40DD-AFC4-6F175D3DCCD1}">
-              <a14:hiddenFill xmlns:a14="http://schemas.microsoft.com/office/drawing/2010/main">
-                <a:solidFill>
-                  <a:srgbClr val="FFFFFF"/>
-                </a:solidFill>
-              </a14:hiddenFill>
-            </a:ext>
-          </a:extLst>
-        </p:spPr>
-      </p:pic>
-      <p:sp>
-        <p:nvSpPr>
-          <p:cNvPr id="5" name="Rectangle 3"/>
-          <p:cNvSpPr>
-            <a:spLocks noChangeArrowheads="1"/>
-          </p:cNvSpPr>
-          <p:nvPr/>
-        </p:nvSpPr>
-        <p:spPr bwMode="auto">
-          <a:xfrm>
-            <a:off x="3756207" y="4618204"/>
+            <a:off x="3764834" y="2901547"/>
             <a:ext cx="5141600" cy="1600438"/>
           </a:xfrm>
           <a:prstGeom prst="rect">
@@ -9785,6 +9830,30 @@
           </a:p>
         </p:txBody>
       </p:sp>
+      <p:pic>
+        <p:nvPicPr>
+          <p:cNvPr id="2" name="Рисунок 1"/>
+          <p:cNvPicPr>
+            <a:picLocks noChangeAspect="1"/>
+          </p:cNvPicPr>
+          <p:nvPr/>
+        </p:nvPicPr>
+        <p:blipFill>
+          <a:blip r:embed="rId2"/>
+          <a:stretch>
+            <a:fillRect/>
+          </a:stretch>
+        </p:blipFill>
+        <p:spPr>
+          <a:xfrm>
+            <a:off x="2052637" y="1933575"/>
+            <a:ext cx="9172575" cy="2209800"/>
+          </a:xfrm>
+          <a:prstGeom prst="rect">
+            <a:avLst/>
+          </a:prstGeom>
+        </p:spPr>
+      </p:pic>
     </p:spTree>
     <p:extLst>
       <p:ext uri="{BB962C8B-B14F-4D97-AF65-F5344CB8AC3E}">

--- a/Диплом/Диплом-Презентация.pptx
+++ b/Диплом/Диплом-Презентация.pptx
@@ -208,7 +208,7 @@
           <a:p>
             <a:fld id="{22BDBF61-0D7C-4834-B519-E78878DF438F}" type="datetimeFigureOut">
               <a:rPr lang="ru-RU" smtClean="0"/>
-              <a:t>09.06.2016</a:t>
+              <a:t>13.06.2016</a:t>
             </a:fld>
             <a:endParaRPr lang="ru-RU"/>
           </a:p>
@@ -1062,7 +1062,7 @@
           <a:p>
             <a:fld id="{06B6B7CC-0028-4AD5-8BD4-D61D16BB35BE}" type="datetimeFigureOut">
               <a:rPr lang="ru-RU" smtClean="0"/>
-              <a:t>09.06.2016</a:t>
+              <a:t>13.06.2016</a:t>
             </a:fld>
             <a:endParaRPr lang="ru-RU"/>
           </a:p>
@@ -1358,7 +1358,7 @@
           <a:p>
             <a:fld id="{06B6B7CC-0028-4AD5-8BD4-D61D16BB35BE}" type="datetimeFigureOut">
               <a:rPr lang="ru-RU" smtClean="0"/>
-              <a:t>09.06.2016</a:t>
+              <a:t>13.06.2016</a:t>
             </a:fld>
             <a:endParaRPr lang="ru-RU"/>
           </a:p>
@@ -1606,7 +1606,7 @@
           <a:p>
             <a:fld id="{06B6B7CC-0028-4AD5-8BD4-D61D16BB35BE}" type="datetimeFigureOut">
               <a:rPr lang="ru-RU" smtClean="0"/>
-              <a:t>09.06.2016</a:t>
+              <a:t>13.06.2016</a:t>
             </a:fld>
             <a:endParaRPr lang="ru-RU"/>
           </a:p>
@@ -2146,7 +2146,7 @@
           <a:p>
             <a:fld id="{06B6B7CC-0028-4AD5-8BD4-D61D16BB35BE}" type="datetimeFigureOut">
               <a:rPr lang="ru-RU" smtClean="0"/>
-              <a:t>09.06.2016</a:t>
+              <a:t>13.06.2016</a:t>
             </a:fld>
             <a:endParaRPr lang="ru-RU"/>
           </a:p>
@@ -2394,7 +2394,7 @@
           <a:p>
             <a:fld id="{06B6B7CC-0028-4AD5-8BD4-D61D16BB35BE}" type="datetimeFigureOut">
               <a:rPr lang="ru-RU" smtClean="0"/>
-              <a:t>09.06.2016</a:t>
+              <a:t>13.06.2016</a:t>
             </a:fld>
             <a:endParaRPr lang="ru-RU"/>
           </a:p>
@@ -2926,7 +2926,7 @@
           <a:p>
             <a:fld id="{06B6B7CC-0028-4AD5-8BD4-D61D16BB35BE}" type="datetimeFigureOut">
               <a:rPr lang="ru-RU" smtClean="0"/>
-              <a:t>09.06.2016</a:t>
+              <a:t>13.06.2016</a:t>
             </a:fld>
             <a:endParaRPr lang="ru-RU"/>
           </a:p>
@@ -3223,7 +3223,7 @@
           <a:p>
             <a:fld id="{06B6B7CC-0028-4AD5-8BD4-D61D16BB35BE}" type="datetimeFigureOut">
               <a:rPr lang="ru-RU" smtClean="0"/>
-              <a:t>09.06.2016</a:t>
+              <a:t>13.06.2016</a:t>
             </a:fld>
             <a:endParaRPr lang="ru-RU"/>
           </a:p>
@@ -3397,7 +3397,7 @@
           <a:p>
             <a:fld id="{06B6B7CC-0028-4AD5-8BD4-D61D16BB35BE}" type="datetimeFigureOut">
               <a:rPr lang="ru-RU" smtClean="0"/>
-              <a:t>09.06.2016</a:t>
+              <a:t>13.06.2016</a:t>
             </a:fld>
             <a:endParaRPr lang="ru-RU"/>
           </a:p>
@@ -3577,7 +3577,7 @@
           <a:p>
             <a:fld id="{06B6B7CC-0028-4AD5-8BD4-D61D16BB35BE}" type="datetimeFigureOut">
               <a:rPr lang="ru-RU" smtClean="0"/>
-              <a:t>09.06.2016</a:t>
+              <a:t>13.06.2016</a:t>
             </a:fld>
             <a:endParaRPr lang="ru-RU"/>
           </a:p>
@@ -3747,7 +3747,7 @@
           <a:p>
             <a:fld id="{06B6B7CC-0028-4AD5-8BD4-D61D16BB35BE}" type="datetimeFigureOut">
               <a:rPr lang="ru-RU" smtClean="0"/>
-              <a:t>09.06.2016</a:t>
+              <a:t>13.06.2016</a:t>
             </a:fld>
             <a:endParaRPr lang="ru-RU"/>
           </a:p>
@@ -3998,7 +3998,7 @@
           <a:p>
             <a:fld id="{06B6B7CC-0028-4AD5-8BD4-D61D16BB35BE}" type="datetimeFigureOut">
               <a:rPr lang="ru-RU" smtClean="0"/>
-              <a:t>09.06.2016</a:t>
+              <a:t>13.06.2016</a:t>
             </a:fld>
             <a:endParaRPr lang="ru-RU"/>
           </a:p>
@@ -4295,7 +4295,7 @@
           <a:p>
             <a:fld id="{06B6B7CC-0028-4AD5-8BD4-D61D16BB35BE}" type="datetimeFigureOut">
               <a:rPr lang="ru-RU" smtClean="0"/>
-              <a:t>09.06.2016</a:t>
+              <a:t>13.06.2016</a:t>
             </a:fld>
             <a:endParaRPr lang="ru-RU"/>
           </a:p>
@@ -4737,7 +4737,7 @@
           <a:p>
             <a:fld id="{06B6B7CC-0028-4AD5-8BD4-D61D16BB35BE}" type="datetimeFigureOut">
               <a:rPr lang="ru-RU" smtClean="0"/>
-              <a:t>09.06.2016</a:t>
+              <a:t>13.06.2016</a:t>
             </a:fld>
             <a:endParaRPr lang="ru-RU"/>
           </a:p>
@@ -4855,7 +4855,7 @@
           <a:p>
             <a:fld id="{06B6B7CC-0028-4AD5-8BD4-D61D16BB35BE}" type="datetimeFigureOut">
               <a:rPr lang="ru-RU" smtClean="0"/>
-              <a:t>09.06.2016</a:t>
+              <a:t>13.06.2016</a:t>
             </a:fld>
             <a:endParaRPr lang="ru-RU"/>
           </a:p>
@@ -4950,7 +4950,7 @@
           <a:p>
             <a:fld id="{06B6B7CC-0028-4AD5-8BD4-D61D16BB35BE}" type="datetimeFigureOut">
               <a:rPr lang="ru-RU" smtClean="0"/>
-              <a:t>09.06.2016</a:t>
+              <a:t>13.06.2016</a:t>
             </a:fld>
             <a:endParaRPr lang="ru-RU"/>
           </a:p>
@@ -5233,7 +5233,7 @@
           <a:p>
             <a:fld id="{06B6B7CC-0028-4AD5-8BD4-D61D16BB35BE}" type="datetimeFigureOut">
               <a:rPr lang="ru-RU" smtClean="0"/>
-              <a:t>09.06.2016</a:t>
+              <a:t>13.06.2016</a:t>
             </a:fld>
             <a:endParaRPr lang="ru-RU"/>
           </a:p>
@@ -5524,7 +5524,7 @@
           <a:p>
             <a:fld id="{06B6B7CC-0028-4AD5-8BD4-D61D16BB35BE}" type="datetimeFigureOut">
               <a:rPr lang="ru-RU" smtClean="0"/>
-              <a:t>09.06.2016</a:t>
+              <a:t>13.06.2016</a:t>
             </a:fld>
             <a:endParaRPr lang="ru-RU"/>
           </a:p>
@@ -6054,7 +6054,7 @@
           <a:p>
             <a:fld id="{06B6B7CC-0028-4AD5-8BD4-D61D16BB35BE}" type="datetimeFigureOut">
               <a:rPr lang="ru-RU" smtClean="0"/>
-              <a:t>09.06.2016</a:t>
+              <a:t>13.06.2016</a:t>
             </a:fld>
             <a:endParaRPr lang="ru-RU"/>
           </a:p>
@@ -6631,11 +6631,15 @@
             <a:pPr algn="ctr"/>
             <a:r>
               <a:rPr lang="ru-RU" sz="2500" dirty="0" smtClean="0"/>
-              <a:t>Дипломная работа</a:t>
+              <a:t>Бакалаврская </a:t>
+            </a:r>
+            <a:r>
+              <a:rPr lang="ru-RU" sz="2500" dirty="0"/>
+              <a:t>работа</a:t>
             </a:r>
             <a:r>
               <a:rPr lang="en-US" sz="2500" dirty="0" smtClean="0"/>
-              <a:t> </a:t>
+              <a:t/>
             </a:r>
             <a:br>
               <a:rPr lang="en-US" sz="2500" dirty="0" smtClean="0"/>
@@ -7771,7 +7775,15 @@
             </a:pPr>
             <a:r>
               <a:rPr lang="ru-RU" dirty="0" smtClean="0"/>
-              <a:t>Спроектировать, разработать ПО </a:t>
+              <a:t>Спроектировать, </a:t>
+            </a:r>
+            <a:r>
+              <a:rPr lang="ru-RU" smtClean="0"/>
+              <a:t>разработать </a:t>
+            </a:r>
+            <a:r>
+              <a:rPr lang="ru-RU" smtClean="0"/>
+              <a:t>модуль </a:t>
             </a:r>
             <a:r>
               <a:rPr lang="ru-RU" dirty="0"/>
@@ -7861,10 +7873,6 @@
               <a:rPr lang="ru-RU" dirty="0"/>
               <a:t>алгоритма работы модуля мониторинг </a:t>
             </a:r>
-            <a:r>
-              <a:rPr lang="ru-RU" dirty="0"/>
-              <a:t/>
-            </a:r>
             <a:br>
               <a:rPr lang="ru-RU" dirty="0"/>
             </a:br>
@@ -7872,7 +7880,6 @@
               <a:rPr lang="ru-RU" dirty="0"/>
               <a:t>эффективности вуза </a:t>
             </a:r>
-            <a:endParaRPr lang="ru-RU" dirty="0"/>
           </a:p>
           <a:p>
             <a:pPr lvl="0">
@@ -7894,7 +7901,6 @@
               <a:rPr lang="ru-RU" dirty="0" smtClean="0"/>
               <a:t>Тестирование модуля мониторинг эффективности вуза</a:t>
             </a:r>
-            <a:endParaRPr lang="ru-RU" dirty="0" smtClean="0"/>
           </a:p>
           <a:p>
             <a:pPr marL="0" indent="0">
